--- a/Univoice_tezos_deck.pptx
+++ b/Univoice_tezos_deck.pptx
@@ -5447,7 +5447,7 @@
               </a:spcBef>
             </a:pPr>
             <a:r>
-              <a:rPr sz="1800" spc="-10" dirty="0">
+              <a:rPr sz="1800" spc="-10" dirty="0" err="1">
                 <a:solidFill>
                   <a:srgbClr val="002138">
                     <a:alpha val="100000"/>
@@ -5460,6 +5460,19 @@
               <a:t>未来，我们将探索如</a:t>
             </a:r>
             <a:r>
+              <a:rPr sz="1800" spc="0" dirty="0" err="1">
+                <a:solidFill>
+                  <a:srgbClr val="002138">
+                    <a:alpha val="100000"/>
+                  </a:srgbClr>
+                </a:solidFill>
+                <a:latin typeface="微软雅黑" panose="020B0503020204020204" charset="-122"/>
+                <a:ea typeface="微软雅黑" panose="020B0503020204020204" charset="-122"/>
+                <a:cs typeface="微软雅黑" panose="020B0503020204020204" charset="-122"/>
+              </a:rPr>
+              <a:t>何将相关深度语言模型的计算迁移</a:t>
+            </a:r>
+            <a:r>
               <a:rPr sz="1800" spc="0" dirty="0">
                 <a:solidFill>
                   <a:srgbClr val="002138">
@@ -5470,10 +5483,10 @@
                 <a:ea typeface="微软雅黑" panose="020B0503020204020204" charset="-122"/>
                 <a:cs typeface="微软雅黑" panose="020B0503020204020204" charset="-122"/>
               </a:rPr>
-              <a:t>何将相关深度语言模型的计算迁移 </a:t>
-            </a:r>
-            <a:r>
-              <a:rPr sz="1800" spc="10" dirty="0">
+              <a:t> </a:t>
+            </a:r>
+            <a:r>
+              <a:rPr sz="1800" spc="10" dirty="0" err="1">
                 <a:solidFill>
                   <a:srgbClr val="002138">
                     <a:alpha val="100000"/>
@@ -5486,6 +5499,45 @@
               <a:t>到</a:t>
             </a:r>
             <a:r>
+              <a:rPr lang="en-US" dirty="0" err="1">
+                <a:solidFill>
+                  <a:srgbClr val="002138">
+                    <a:alpha val="100000"/>
+                  </a:srgbClr>
+                </a:solidFill>
+                <a:latin typeface="微软雅黑" panose="020B0503020204020204" charset="-122"/>
+                <a:ea typeface="微软雅黑" panose="020B0503020204020204" charset="-122"/>
+                <a:cs typeface="微软雅黑" panose="020B0503020204020204" charset="-122"/>
+              </a:rPr>
+              <a:t>Tezos</a:t>
+            </a:r>
+            <a:r>
+              <a:rPr sz="1800" spc="10" dirty="0" err="1">
+                <a:solidFill>
+                  <a:srgbClr val="002138">
+                    <a:alpha val="100000"/>
+                  </a:srgbClr>
+                </a:solidFill>
+                <a:latin typeface="微软雅黑" panose="020B0503020204020204" charset="-122"/>
+                <a:ea typeface="微软雅黑" panose="020B0503020204020204" charset="-122"/>
+                <a:cs typeface="微软雅黑" panose="020B0503020204020204" charset="-122"/>
+              </a:rPr>
+              <a:t>链</a:t>
+            </a:r>
+            <a:r>
+              <a:rPr sz="1800" spc="0" dirty="0" err="1">
+                <a:solidFill>
+                  <a:srgbClr val="002138">
+                    <a:alpha val="100000"/>
+                  </a:srgbClr>
+                </a:solidFill>
+                <a:latin typeface="微软雅黑" panose="020B0503020204020204" charset="-122"/>
+                <a:ea typeface="微软雅黑" panose="020B0503020204020204" charset="-122"/>
+                <a:cs typeface="微软雅黑" panose="020B0503020204020204" charset="-122"/>
+              </a:rPr>
+              <a:t>上，实现去中心化计算</a:t>
+            </a:r>
+            <a:r>
               <a:rPr sz="1800" spc="0" dirty="0">
                 <a:solidFill>
                   <a:srgbClr val="002138">
@@ -5496,33 +5548,7 @@
                 <a:ea typeface="微软雅黑" panose="020B0503020204020204" charset="-122"/>
                 <a:cs typeface="微软雅黑" panose="020B0503020204020204" charset="-122"/>
               </a:rPr>
-              <a:t>FIow</a:t>
-            </a:r>
-            <a:r>
-              <a:rPr sz="1800" spc="10" dirty="0">
-                <a:solidFill>
-                  <a:srgbClr val="002138">
-                    <a:alpha val="100000"/>
-                  </a:srgbClr>
-                </a:solidFill>
-                <a:latin typeface="微软雅黑" panose="020B0503020204020204" charset="-122"/>
-                <a:ea typeface="微软雅黑" panose="020B0503020204020204" charset="-122"/>
-                <a:cs typeface="微软雅黑" panose="020B0503020204020204" charset="-122"/>
-              </a:rPr>
-              <a:t>链</a:t>
-            </a:r>
-            <a:r>
-              <a:rPr sz="1800" spc="0" dirty="0">
-                <a:solidFill>
-                  <a:srgbClr val="002138">
-                    <a:alpha val="100000"/>
-                  </a:srgbClr>
-                </a:solidFill>
-                <a:latin typeface="微软雅黑" panose="020B0503020204020204" charset="-122"/>
-                <a:ea typeface="微软雅黑" panose="020B0503020204020204" charset="-122"/>
-                <a:cs typeface="微软雅黑" panose="020B0503020204020204" charset="-122"/>
-              </a:rPr>
-              <a:t>上，实现去中心化计算。</a:t>
+              <a:t>。</a:t>
             </a:r>
             <a:endParaRPr lang="en-US" altLang="en-US" sz="1800" dirty="0"/>
           </a:p>
@@ -15046,6 +15072,304 @@
           </a:p>
         </p:txBody>
       </p:sp>
+      <p:sp>
+        <p:nvSpPr>
+          <p:cNvPr id="2" name="矩形 1">
+            <a:extLst>
+              <a:ext uri="{FF2B5EF4-FFF2-40B4-BE49-F238E27FC236}">
+                <a16:creationId xmlns:a16="http://schemas.microsoft.com/office/drawing/2014/main" id="{38F4CAE8-436B-5F40-4B6F-FD230F48866A}"/>
+              </a:ext>
+            </a:extLst>
+          </p:cNvPr>
+          <p:cNvSpPr/>
+          <p:nvPr/>
+        </p:nvSpPr>
+        <p:spPr>
+          <a:xfrm>
+            <a:off x="4069080" y="3295650"/>
+            <a:ext cx="563880" cy="190500"/>
+          </a:xfrm>
+          <a:prstGeom prst="rect">
+            <a:avLst/>
+          </a:prstGeom>
+          <a:solidFill>
+            <a:schemeClr val="bg1"/>
+          </a:solidFill>
+          <a:ln>
+            <a:solidFill>
+              <a:schemeClr val="bg1"/>
+            </a:solidFill>
+          </a:ln>
+        </p:spPr>
+        <p:style>
+          <a:lnRef idx="2">
+            <a:schemeClr val="accent6"/>
+          </a:lnRef>
+          <a:fillRef idx="1">
+            <a:schemeClr val="lt1"/>
+          </a:fillRef>
+          <a:effectRef idx="0">
+            <a:schemeClr val="accent6"/>
+          </a:effectRef>
+          <a:fontRef idx="minor">
+            <a:schemeClr val="dk1"/>
+          </a:fontRef>
+        </p:style>
+        <p:txBody>
+          <a:bodyPr rtlCol="0" anchor="ctr"/>
+          <a:lstStyle/>
+          <a:p>
+            <a:pPr algn="ctr"/>
+            <a:r>
+              <a:rPr lang="en-US" altLang="zh-CN" sz="1000" b="1" dirty="0" err="1">
+                <a:latin typeface="微软雅黑" panose="020B0503020204020204" pitchFamily="34" charset="-122"/>
+                <a:ea typeface="微软雅黑" panose="020B0503020204020204" pitchFamily="34" charset="-122"/>
+              </a:rPr>
+              <a:t>Tezos</a:t>
+            </a:r>
+            <a:endParaRPr lang="zh-CN" altLang="en-US" sz="1000" b="1" dirty="0">
+              <a:latin typeface="微软雅黑" panose="020B0503020204020204" pitchFamily="34" charset="-122"/>
+              <a:ea typeface="微软雅黑" panose="020B0503020204020204" pitchFamily="34" charset="-122"/>
+            </a:endParaRPr>
+          </a:p>
+        </p:txBody>
+      </p:sp>
+      <p:sp>
+        <p:nvSpPr>
+          <p:cNvPr id="3" name="矩形 2">
+            <a:extLst>
+              <a:ext uri="{FF2B5EF4-FFF2-40B4-BE49-F238E27FC236}">
+                <a16:creationId xmlns:a16="http://schemas.microsoft.com/office/drawing/2014/main" id="{549BA0D9-6F7E-195F-4804-0139B3BBEAC4}"/>
+              </a:ext>
+            </a:extLst>
+          </p:cNvPr>
+          <p:cNvSpPr/>
+          <p:nvPr/>
+        </p:nvSpPr>
+        <p:spPr>
+          <a:xfrm>
+            <a:off x="4076700" y="4250451"/>
+            <a:ext cx="563880" cy="190500"/>
+          </a:xfrm>
+          <a:prstGeom prst="rect">
+            <a:avLst/>
+          </a:prstGeom>
+          <a:solidFill>
+            <a:schemeClr val="bg1"/>
+          </a:solidFill>
+          <a:ln>
+            <a:solidFill>
+              <a:schemeClr val="bg1"/>
+            </a:solidFill>
+          </a:ln>
+        </p:spPr>
+        <p:style>
+          <a:lnRef idx="2">
+            <a:schemeClr val="accent6"/>
+          </a:lnRef>
+          <a:fillRef idx="1">
+            <a:schemeClr val="lt1"/>
+          </a:fillRef>
+          <a:effectRef idx="0">
+            <a:schemeClr val="accent6"/>
+          </a:effectRef>
+          <a:fontRef idx="minor">
+            <a:schemeClr val="dk1"/>
+          </a:fontRef>
+        </p:style>
+        <p:txBody>
+          <a:bodyPr rtlCol="0" anchor="ctr"/>
+          <a:lstStyle/>
+          <a:p>
+            <a:pPr algn="ctr"/>
+            <a:r>
+              <a:rPr lang="en-US" altLang="zh-CN" sz="1000" b="1" dirty="0" err="1">
+                <a:latin typeface="微软雅黑" panose="020B0503020204020204" pitchFamily="34" charset="-122"/>
+                <a:ea typeface="微软雅黑" panose="020B0503020204020204" pitchFamily="34" charset="-122"/>
+              </a:rPr>
+              <a:t>Tezos</a:t>
+            </a:r>
+            <a:endParaRPr lang="zh-CN" altLang="en-US" sz="1000" b="1" dirty="0">
+              <a:latin typeface="微软雅黑" panose="020B0503020204020204" pitchFamily="34" charset="-122"/>
+              <a:ea typeface="微软雅黑" panose="020B0503020204020204" pitchFamily="34" charset="-122"/>
+            </a:endParaRPr>
+          </a:p>
+        </p:txBody>
+      </p:sp>
+      <p:pic>
+        <p:nvPicPr>
+          <p:cNvPr id="10" name="图片 9">
+            <a:extLst>
+              <a:ext uri="{FF2B5EF4-FFF2-40B4-BE49-F238E27FC236}">
+                <a16:creationId xmlns:a16="http://schemas.microsoft.com/office/drawing/2014/main" id="{6D6F2589-E097-02D9-DDA0-93174B8C81B7}"/>
+              </a:ext>
+            </a:extLst>
+          </p:cNvPr>
+          <p:cNvPicPr>
+            <a:picLocks noChangeAspect="1"/>
+          </p:cNvPicPr>
+          <p:nvPr/>
+        </p:nvPicPr>
+        <p:blipFill rotWithShape="1">
+          <a:blip r:embed="rId3"/>
+          <a:srcRect l="14820" t="20489" r="17034" b="30562"/>
+          <a:stretch/>
+        </p:blipFill>
+        <p:spPr>
+          <a:xfrm>
+            <a:off x="5894388" y="3348038"/>
+            <a:ext cx="390526" cy="134289"/>
+          </a:xfrm>
+          <a:prstGeom prst="rect">
+            <a:avLst/>
+          </a:prstGeom>
+        </p:spPr>
+      </p:pic>
+      <p:pic>
+        <p:nvPicPr>
+          <p:cNvPr id="11" name="图片 10">
+            <a:extLst>
+              <a:ext uri="{FF2B5EF4-FFF2-40B4-BE49-F238E27FC236}">
+                <a16:creationId xmlns:a16="http://schemas.microsoft.com/office/drawing/2014/main" id="{72DAA286-85A9-5EDF-BE63-7F8CD863C47B}"/>
+              </a:ext>
+            </a:extLst>
+          </p:cNvPr>
+          <p:cNvPicPr>
+            <a:picLocks noChangeAspect="1"/>
+          </p:cNvPicPr>
+          <p:nvPr/>
+        </p:nvPicPr>
+        <p:blipFill rotWithShape="1">
+          <a:blip r:embed="rId3"/>
+          <a:srcRect l="14820" t="20489" r="17034" b="30562"/>
+          <a:stretch/>
+        </p:blipFill>
+        <p:spPr>
+          <a:xfrm>
+            <a:off x="2589215" y="4295223"/>
+            <a:ext cx="390526" cy="134289"/>
+          </a:xfrm>
+          <a:prstGeom prst="rect">
+            <a:avLst/>
+          </a:prstGeom>
+        </p:spPr>
+      </p:pic>
+      <p:pic>
+        <p:nvPicPr>
+          <p:cNvPr id="12" name="图片 11">
+            <a:extLst>
+              <a:ext uri="{FF2B5EF4-FFF2-40B4-BE49-F238E27FC236}">
+                <a16:creationId xmlns:a16="http://schemas.microsoft.com/office/drawing/2014/main" id="{A008B59C-0B1D-69F9-EDA6-723749040A22}"/>
+              </a:ext>
+            </a:extLst>
+          </p:cNvPr>
+          <p:cNvPicPr>
+            <a:picLocks noChangeAspect="1"/>
+          </p:cNvPicPr>
+          <p:nvPr/>
+        </p:nvPicPr>
+        <p:blipFill rotWithShape="1">
+          <a:blip r:embed="rId3"/>
+          <a:srcRect l="14820" t="20489" r="17034" b="30562"/>
+          <a:stretch/>
+        </p:blipFill>
+        <p:spPr>
+          <a:xfrm>
+            <a:off x="2583814" y="3396132"/>
+            <a:ext cx="390526" cy="134289"/>
+          </a:xfrm>
+          <a:prstGeom prst="rect">
+            <a:avLst/>
+          </a:prstGeom>
+        </p:spPr>
+      </p:pic>
+      <p:pic>
+        <p:nvPicPr>
+          <p:cNvPr id="13" name="图片 12">
+            <a:extLst>
+              <a:ext uri="{FF2B5EF4-FFF2-40B4-BE49-F238E27FC236}">
+                <a16:creationId xmlns:a16="http://schemas.microsoft.com/office/drawing/2014/main" id="{B63F99DD-D0B1-7C34-D0A5-C029F265E4A4}"/>
+              </a:ext>
+            </a:extLst>
+          </p:cNvPr>
+          <p:cNvPicPr>
+            <a:picLocks noChangeAspect="1"/>
+          </p:cNvPicPr>
+          <p:nvPr/>
+        </p:nvPicPr>
+        <p:blipFill rotWithShape="1">
+          <a:blip r:embed="rId3"/>
+          <a:srcRect l="14820" t="20489" r="17034" b="30562"/>
+          <a:stretch/>
+        </p:blipFill>
+        <p:spPr>
+          <a:xfrm>
+            <a:off x="1454947" y="4284215"/>
+            <a:ext cx="390526" cy="134289"/>
+          </a:xfrm>
+          <a:prstGeom prst="rect">
+            <a:avLst/>
+          </a:prstGeom>
+        </p:spPr>
+      </p:pic>
+      <p:pic>
+        <p:nvPicPr>
+          <p:cNvPr id="14" name="图片 13">
+            <a:extLst>
+              <a:ext uri="{FF2B5EF4-FFF2-40B4-BE49-F238E27FC236}">
+                <a16:creationId xmlns:a16="http://schemas.microsoft.com/office/drawing/2014/main" id="{0180DA25-60DD-AAA4-B5DC-B458833A0AE4}"/>
+              </a:ext>
+            </a:extLst>
+          </p:cNvPr>
+          <p:cNvPicPr>
+            <a:picLocks noChangeAspect="1"/>
+          </p:cNvPicPr>
+          <p:nvPr/>
+        </p:nvPicPr>
+        <p:blipFill rotWithShape="1">
+          <a:blip r:embed="rId3"/>
+          <a:srcRect l="14820" t="20489" r="17034" b="30562"/>
+          <a:stretch/>
+        </p:blipFill>
+        <p:spPr>
+          <a:xfrm>
+            <a:off x="1421764" y="5275732"/>
+            <a:ext cx="390526" cy="134289"/>
+          </a:xfrm>
+          <a:prstGeom prst="rect">
+            <a:avLst/>
+          </a:prstGeom>
+        </p:spPr>
+      </p:pic>
+      <p:pic>
+        <p:nvPicPr>
+          <p:cNvPr id="15" name="图片 14">
+            <a:extLst>
+              <a:ext uri="{FF2B5EF4-FFF2-40B4-BE49-F238E27FC236}">
+                <a16:creationId xmlns:a16="http://schemas.microsoft.com/office/drawing/2014/main" id="{F74C0C1D-A80C-F16B-B06C-7C568977B29F}"/>
+              </a:ext>
+            </a:extLst>
+          </p:cNvPr>
+          <p:cNvPicPr>
+            <a:picLocks noChangeAspect="1"/>
+          </p:cNvPicPr>
+          <p:nvPr/>
+        </p:nvPicPr>
+        <p:blipFill rotWithShape="1">
+          <a:blip r:embed="rId3"/>
+          <a:srcRect l="14820" t="20489" r="17034" b="30562"/>
+          <a:stretch/>
+        </p:blipFill>
+        <p:spPr>
+          <a:xfrm>
+            <a:off x="2583814" y="5358751"/>
+            <a:ext cx="390526" cy="134289"/>
+          </a:xfrm>
+          <a:prstGeom prst="rect">
+            <a:avLst/>
+          </a:prstGeom>
+        </p:spPr>
+      </p:pic>
     </p:spTree>
   </p:cSld>
   <p:clrMapOvr>
